--- a/lecture_slides/parallel.pptx
+++ b/lecture_slides/parallel.pptx
@@ -282,7 +282,7 @@
             <a:fld id="{A454A267-6D32-4402-B19A-C2E2B0D7E352}" type="datetime1">
               <a:rPr lang="en-US"/>
               <a:pPr/>
-              <a:t>9/4/18</a:t>
+              <a:t>12/10/22</a:t>
             </a:fld>
             <a:endParaRPr lang="en-US"/>
           </a:p>
@@ -644,10 +644,10 @@
           </a:ln>
           <a:extLst>
             <a:ext uri="{FAA26D3D-D897-4be2-8F04-BA451C77F1D7}">
-              <ma14:placeholderFlag xmlns="" xmlns:ma14="http://schemas.microsoft.com/office/mac/drawingml/2011/main" val="1"/>
+              <ma14:placeholderFlag xmlns:ma14="http://schemas.microsoft.com/office/mac/drawingml/2011/main" xmlns="" val="1"/>
             </a:ext>
             <a:ext uri="{909E8E84-426E-40dd-AFC4-6F175D3DCCD1}">
-              <a14:hiddenFill xmlns:a14="http://schemas.microsoft.com/office/drawing/2010/main" xmlns="">
+              <a14:hiddenFill xmlns="" xmlns:a14="http://schemas.microsoft.com/office/drawing/2010/main">
                 <a:solidFill>
                   <a:srgbClr val="FFFFFF"/>
                 </a:solidFill>
@@ -670,17 +670,17 @@
           <a:noFill/>
           <a:extLst>
             <a:ext uri="{FAA26D3D-D897-4be2-8F04-BA451C77F1D7}">
-              <ma14:placeholderFlag xmlns="" xmlns:ma14="http://schemas.microsoft.com/office/mac/drawingml/2011/main" val="1"/>
+              <ma14:placeholderFlag xmlns:ma14="http://schemas.microsoft.com/office/mac/drawingml/2011/main" xmlns="" val="1"/>
             </a:ext>
             <a:ext uri="{909E8E84-426E-40dd-AFC4-6F175D3DCCD1}">
-              <a14:hiddenFill xmlns:a14="http://schemas.microsoft.com/office/drawing/2010/main" xmlns="">
+              <a14:hiddenFill xmlns="" xmlns:a14="http://schemas.microsoft.com/office/drawing/2010/main">
                 <a:solidFill>
                   <a:srgbClr val="FFFFFF"/>
                 </a:solidFill>
               </a14:hiddenFill>
             </a:ext>
             <a:ext uri="{91240B29-F687-4f45-9708-019B960494DF}">
-              <a14:hiddenLine xmlns:a14="http://schemas.microsoft.com/office/drawing/2010/main" xmlns="" w="9525">
+              <a14:hiddenLine xmlns="" xmlns:a14="http://schemas.microsoft.com/office/drawing/2010/main" w="9525">
                 <a:solidFill>
                   <a:srgbClr val="000000"/>
                 </a:solidFill>
@@ -717,14 +717,14 @@
           <a:noFill/>
           <a:extLst>
             <a:ext uri="{909E8E84-426E-40dd-AFC4-6F175D3DCCD1}">
-              <a14:hiddenFill xmlns:a14="http://schemas.microsoft.com/office/drawing/2010/main" xmlns="">
+              <a14:hiddenFill xmlns="" xmlns:a14="http://schemas.microsoft.com/office/drawing/2010/main">
                 <a:solidFill>
                   <a:srgbClr val="FFFFFF"/>
                 </a:solidFill>
               </a14:hiddenFill>
             </a:ext>
             <a:ext uri="{91240B29-F687-4f45-9708-019B960494DF}">
-              <a14:hiddenLine xmlns:a14="http://schemas.microsoft.com/office/drawing/2010/main" xmlns="" w="9525">
+              <a14:hiddenLine xmlns="" xmlns:a14="http://schemas.microsoft.com/office/drawing/2010/main" w="9525">
                 <a:solidFill>
                   <a:srgbClr val="000000"/>
                 </a:solidFill>
@@ -3314,7 +3314,7 @@
             <a:fld id="{E09AD6F9-13D0-41FB-BE7B-D9E4D2F0E92B}" type="datetime1">
               <a:rPr lang="en-US" smtClean="0"/>
               <a:pPr/>
-              <a:t>9/4/18</a:t>
+              <a:t>12/10/22</a:t>
             </a:fld>
             <a:endParaRPr lang="en-US"/>
           </a:p>
@@ -3538,7 +3538,7 @@
             <a:fld id="{77AF488D-4D69-45D4-96A3-1C5661330254}" type="datetime1">
               <a:rPr lang="en-US" smtClean="0"/>
               <a:pPr/>
-              <a:t>9/4/18</a:t>
+              <a:t>12/10/22</a:t>
             </a:fld>
             <a:endParaRPr lang="en-US"/>
           </a:p>
@@ -3772,7 +3772,7 @@
             <a:fld id="{30783285-9ED5-41A0-A7C6-D92511BA15FA}" type="datetime1">
               <a:rPr lang="en-US" smtClean="0"/>
               <a:pPr/>
-              <a:t>9/4/18</a:t>
+              <a:t>12/10/22</a:t>
             </a:fld>
             <a:endParaRPr lang="en-US"/>
           </a:p>
@@ -3996,7 +3996,7 @@
             <a:fld id="{0803D500-87BB-4950-91D6-CAE90ADA5A7C}" type="datetime1">
               <a:rPr lang="en-US" smtClean="0"/>
               <a:pPr/>
-              <a:t>9/4/18</a:t>
+              <a:t>12/10/22</a:t>
             </a:fld>
             <a:endParaRPr lang="en-US" dirty="0"/>
           </a:p>
@@ -4297,7 +4297,7 @@
             <a:fld id="{BF533223-0B88-40C3-8839-7D06D2423A38}" type="datetime1">
               <a:rPr lang="en-US" smtClean="0"/>
               <a:pPr/>
-              <a:t>9/4/18</a:t>
+              <a:t>12/10/22</a:t>
             </a:fld>
             <a:endParaRPr lang="en-US"/>
           </a:p>
@@ -4638,7 +4638,7 @@
             <a:fld id="{2CC1C52B-29C4-4F13-A058-4E92FD64E08C}" type="datetime1">
               <a:rPr lang="en-US" smtClean="0"/>
               <a:pPr/>
-              <a:t>9/4/18</a:t>
+              <a:t>12/10/22</a:t>
             </a:fld>
             <a:endParaRPr lang="en-US"/>
           </a:p>
@@ -5113,7 +5113,7 @@
             <a:fld id="{6F248663-A60D-448A-8FC0-03CA8A99F1EA}" type="datetime1">
               <a:rPr lang="en-US" smtClean="0"/>
               <a:pPr/>
-              <a:t>9/4/18</a:t>
+              <a:t>12/10/22</a:t>
             </a:fld>
             <a:endParaRPr lang="en-US"/>
           </a:p>
@@ -5286,7 +5286,7 @@
             <a:fld id="{6D45F553-873C-4099-BC24-D40961381BAE}" type="datetime1">
               <a:rPr lang="en-US" smtClean="0"/>
               <a:pPr/>
-              <a:t>9/4/18</a:t>
+              <a:t>12/10/22</a:t>
             </a:fld>
             <a:endParaRPr lang="en-US"/>
           </a:p>
@@ -5437,7 +5437,7 @@
             <a:fld id="{FFDE9422-1655-4D93-BF44-07740897DB75}" type="datetime1">
               <a:rPr lang="en-US" smtClean="0"/>
               <a:pPr/>
-              <a:t>9/4/18</a:t>
+              <a:t>12/10/22</a:t>
             </a:fld>
             <a:endParaRPr lang="en-US"/>
           </a:p>
@@ -5768,7 +5768,7 @@
             <a:fld id="{2CA32EA0-F3C9-4DD5-8B2D-AC3F456587CE}" type="datetime1">
               <a:rPr lang="en-US" smtClean="0"/>
               <a:pPr/>
-              <a:t>9/4/18</a:t>
+              <a:t>12/10/22</a:t>
             </a:fld>
             <a:endParaRPr lang="en-US"/>
           </a:p>
@@ -6079,7 +6079,7 @@
             <a:fld id="{F12DBC1D-DE4C-42ED-8A40-DA5274C15AFB}" type="datetime1">
               <a:rPr lang="en-US" smtClean="0"/>
               <a:pPr/>
-              <a:t>9/4/18</a:t>
+              <a:t>12/10/22</a:t>
             </a:fld>
             <a:endParaRPr lang="en-US"/>
           </a:p>
@@ -6744,7 +6744,12 @@
             <p:ph type="ctrTitle"/>
           </p:nvPr>
         </p:nvSpPr>
-        <p:spPr/>
+        <p:spPr>
+          <a:xfrm>
+            <a:off x="685800" y="17124"/>
+            <a:ext cx="7772400" cy="1470025"/>
+          </a:xfrm>
+        </p:spPr>
         <p:txBody>
           <a:bodyPr/>
           <a:lstStyle/>
@@ -6754,56 +6759,646 @@
                 <a:latin typeface="Trebuchet MS" charset="0"/>
                 <a:ea typeface="ＭＳ Ｐゴシック" charset="0"/>
               </a:rPr>
-              <a:t>21. Parallel Processing</a:t>
+              <a:t>Parallel Processing</a:t>
             </a:r>
           </a:p>
         </p:txBody>
       </p:sp>
+      <p:pic>
+        <p:nvPicPr>
+          <p:cNvPr id="5" name="Picture 4" descr="j0288991[1]">
+            <a:extLst>
+              <a:ext uri="{FF2B5EF4-FFF2-40B4-BE49-F238E27FC236}">
+                <a16:creationId xmlns:a16="http://schemas.microsoft.com/office/drawing/2014/main" id="{E3E8B4E0-4F2D-E681-BC82-B1ECD10479E5}"/>
+              </a:ext>
+            </a:extLst>
+          </p:cNvPr>
+          <p:cNvPicPr>
+            <a:picLocks noChangeAspect="1" noChangeArrowheads="1"/>
+          </p:cNvPicPr>
+          <p:nvPr/>
+        </p:nvPicPr>
+        <p:blipFill>
+          <a:blip r:embed="rId3">
+            <a:extLst>
+              <a:ext uri="{28A0092B-C50C-407E-A947-70E740481C1C}">
+                <a14:useLocalDpi xmlns:a14="http://schemas.microsoft.com/office/drawing/2010/main" val="0"/>
+              </a:ext>
+            </a:extLst>
+          </a:blip>
+          <a:srcRect/>
+          <a:stretch>
+            <a:fillRect/>
+          </a:stretch>
+        </p:blipFill>
+        <p:spPr bwMode="auto">
+          <a:xfrm flipH="1">
+            <a:off x="3506788" y="1454150"/>
+            <a:ext cx="598487" cy="1500187"/>
+          </a:xfrm>
+          <a:prstGeom prst="rect">
+            <a:avLst/>
+          </a:prstGeom>
+          <a:noFill/>
+          <a:ln w="9525">
+            <a:noFill/>
+            <a:miter lim="800000"/>
+            <a:headEnd/>
+            <a:tailEnd/>
+          </a:ln>
+        </p:spPr>
+      </p:pic>
+      <p:pic>
+        <p:nvPicPr>
+          <p:cNvPr id="6" name="Picture 7" descr="j0288991[1]">
+            <a:extLst>
+              <a:ext uri="{FF2B5EF4-FFF2-40B4-BE49-F238E27FC236}">
+                <a16:creationId xmlns:a16="http://schemas.microsoft.com/office/drawing/2014/main" id="{098EEE89-0A27-29CA-15F8-1E7BCCA10344}"/>
+              </a:ext>
+            </a:extLst>
+          </p:cNvPr>
+          <p:cNvPicPr>
+            <a:picLocks noChangeAspect="1" noChangeArrowheads="1"/>
+          </p:cNvPicPr>
+          <p:nvPr/>
+        </p:nvPicPr>
+        <p:blipFill>
+          <a:blip r:embed="rId3">
+            <a:extLst>
+              <a:ext uri="{28A0092B-C50C-407E-A947-70E740481C1C}">
+                <a14:useLocalDpi xmlns:a14="http://schemas.microsoft.com/office/drawing/2010/main" val="0"/>
+              </a:ext>
+            </a:extLst>
+          </a:blip>
+          <a:srcRect/>
+          <a:stretch>
+            <a:fillRect/>
+          </a:stretch>
+        </p:blipFill>
+        <p:spPr>
+          <a:xfrm flipH="1">
+            <a:off x="6059488" y="2003425"/>
+            <a:ext cx="596900" cy="1495425"/>
+          </a:xfrm>
+          <a:prstGeom prst="rect">
+            <a:avLst/>
+          </a:prstGeom>
+          <a:noFill/>
+        </p:spPr>
+      </p:pic>
+      <p:pic>
+        <p:nvPicPr>
+          <p:cNvPr id="7" name="Picture 10" descr="j0288991[1]">
+            <a:extLst>
+              <a:ext uri="{FF2B5EF4-FFF2-40B4-BE49-F238E27FC236}">
+                <a16:creationId xmlns:a16="http://schemas.microsoft.com/office/drawing/2014/main" id="{C2441150-A86C-3EF5-70EC-CFF933CFD5E2}"/>
+              </a:ext>
+            </a:extLst>
+          </p:cNvPr>
+          <p:cNvPicPr>
+            <a:picLocks noChangeAspect="1" noChangeArrowheads="1"/>
+          </p:cNvPicPr>
+          <p:nvPr/>
+        </p:nvPicPr>
+        <p:blipFill>
+          <a:blip r:embed="rId3">
+            <a:extLst>
+              <a:ext uri="{28A0092B-C50C-407E-A947-70E740481C1C}">
+                <a14:useLocalDpi xmlns:a14="http://schemas.microsoft.com/office/drawing/2010/main" val="0"/>
+              </a:ext>
+            </a:extLst>
+          </a:blip>
+          <a:srcRect/>
+          <a:stretch>
+            <a:fillRect/>
+          </a:stretch>
+        </p:blipFill>
+        <p:spPr>
+          <a:xfrm>
+            <a:off x="1687513" y="3074987"/>
+            <a:ext cx="668337" cy="1676400"/>
+          </a:xfrm>
+          <a:prstGeom prst="rect">
+            <a:avLst/>
+          </a:prstGeom>
+          <a:noFill/>
+        </p:spPr>
+      </p:pic>
+      <p:pic>
+        <p:nvPicPr>
+          <p:cNvPr id="8" name="Picture 13" descr="j0288991[1]">
+            <a:extLst>
+              <a:ext uri="{FF2B5EF4-FFF2-40B4-BE49-F238E27FC236}">
+                <a16:creationId xmlns:a16="http://schemas.microsoft.com/office/drawing/2014/main" id="{1C34C6E7-3874-CE22-9813-75637B4BE993}"/>
+              </a:ext>
+            </a:extLst>
+          </p:cNvPr>
+          <p:cNvPicPr>
+            <a:picLocks noChangeAspect="1" noChangeArrowheads="1"/>
+          </p:cNvPicPr>
+          <p:nvPr/>
+        </p:nvPicPr>
+        <p:blipFill>
+          <a:blip r:embed="rId3">
+            <a:extLst>
+              <a:ext uri="{28A0092B-C50C-407E-A947-70E740481C1C}">
+                <a14:useLocalDpi xmlns:a14="http://schemas.microsoft.com/office/drawing/2010/main" val="0"/>
+              </a:ext>
+            </a:extLst>
+          </a:blip>
+          <a:srcRect/>
+          <a:stretch>
+            <a:fillRect/>
+          </a:stretch>
+        </p:blipFill>
+        <p:spPr>
+          <a:xfrm>
+            <a:off x="5783263" y="4724400"/>
+            <a:ext cx="638175" cy="1600200"/>
+          </a:xfrm>
+          <a:prstGeom prst="rect">
+            <a:avLst/>
+          </a:prstGeom>
+          <a:noFill/>
+        </p:spPr>
+      </p:pic>
+      <p:pic>
+        <p:nvPicPr>
+          <p:cNvPr id="9" name="Picture 16" descr="j0288991[1]">
+            <a:extLst>
+              <a:ext uri="{FF2B5EF4-FFF2-40B4-BE49-F238E27FC236}">
+                <a16:creationId xmlns:a16="http://schemas.microsoft.com/office/drawing/2014/main" id="{35B98B6D-D022-C8DC-CB93-F96F9DB6E442}"/>
+              </a:ext>
+            </a:extLst>
+          </p:cNvPr>
+          <p:cNvPicPr>
+            <a:picLocks noChangeAspect="1" noChangeArrowheads="1"/>
+          </p:cNvPicPr>
+          <p:nvPr/>
+        </p:nvPicPr>
+        <p:blipFill>
+          <a:blip r:embed="rId3">
+            <a:extLst>
+              <a:ext uri="{28A0092B-C50C-407E-A947-70E740481C1C}">
+                <a14:useLocalDpi xmlns:a14="http://schemas.microsoft.com/office/drawing/2010/main" val="0"/>
+              </a:ext>
+            </a:extLst>
+          </a:blip>
+          <a:srcRect/>
+          <a:stretch>
+            <a:fillRect/>
+          </a:stretch>
+        </p:blipFill>
+        <p:spPr bwMode="auto">
+          <a:xfrm flipH="1">
+            <a:off x="4314825" y="4724400"/>
+            <a:ext cx="590550" cy="1481137"/>
+          </a:xfrm>
+          <a:prstGeom prst="rect">
+            <a:avLst/>
+          </a:prstGeom>
+          <a:noFill/>
+          <a:ln>
+            <a:noFill/>
+          </a:ln>
+          <a:extLst>
+            <a:ext uri="{909E8E84-426E-40DD-AFC4-6F175D3DCCD1}">
+              <a14:hiddenFill xmlns:a14="http://schemas.microsoft.com/office/drawing/2010/main">
+                <a:solidFill>
+                  <a:srgbClr val="FFFFFF"/>
+                </a:solidFill>
+              </a14:hiddenFill>
+            </a:ext>
+            <a:ext uri="{91240B29-F687-4F45-9708-019B960494DF}">
+              <a14:hiddenLine xmlns:a14="http://schemas.microsoft.com/office/drawing/2010/main" w="9525">
+                <a:solidFill>
+                  <a:srgbClr val="000000"/>
+                </a:solidFill>
+                <a:miter lim="800000"/>
+                <a:headEnd/>
+                <a:tailEnd/>
+              </a14:hiddenLine>
+            </a:ext>
+          </a:extLst>
+        </p:spPr>
+      </p:pic>
+      <p:pic>
+        <p:nvPicPr>
+          <p:cNvPr id="10" name="Picture 17" descr="j0288991[1]">
+            <a:extLst>
+              <a:ext uri="{FF2B5EF4-FFF2-40B4-BE49-F238E27FC236}">
+                <a16:creationId xmlns:a16="http://schemas.microsoft.com/office/drawing/2014/main" id="{0E34A820-86CC-0D90-186E-5197E4F68856}"/>
+              </a:ext>
+            </a:extLst>
+          </p:cNvPr>
+          <p:cNvPicPr>
+            <a:picLocks noChangeAspect="1" noChangeArrowheads="1"/>
+          </p:cNvPicPr>
+          <p:nvPr/>
+        </p:nvPicPr>
+        <p:blipFill>
+          <a:blip r:embed="rId3">
+            <a:extLst>
+              <a:ext uri="{28A0092B-C50C-407E-A947-70E740481C1C}">
+                <a14:useLocalDpi xmlns:a14="http://schemas.microsoft.com/office/drawing/2010/main" val="0"/>
+              </a:ext>
+            </a:extLst>
+          </a:blip>
+          <a:srcRect/>
+          <a:stretch>
+            <a:fillRect/>
+          </a:stretch>
+        </p:blipFill>
+        <p:spPr bwMode="auto">
+          <a:xfrm>
+            <a:off x="2209800" y="1804987"/>
+            <a:ext cx="590550" cy="1481138"/>
+          </a:xfrm>
+          <a:prstGeom prst="rect">
+            <a:avLst/>
+          </a:prstGeom>
+          <a:noFill/>
+          <a:ln>
+            <a:noFill/>
+          </a:ln>
+          <a:extLst>
+            <a:ext uri="{909E8E84-426E-40DD-AFC4-6F175D3DCCD1}">
+              <a14:hiddenFill xmlns:a14="http://schemas.microsoft.com/office/drawing/2010/main">
+                <a:solidFill>
+                  <a:srgbClr val="FFFFFF"/>
+                </a:solidFill>
+              </a14:hiddenFill>
+            </a:ext>
+            <a:ext uri="{91240B29-F687-4F45-9708-019B960494DF}">
+              <a14:hiddenLine xmlns:a14="http://schemas.microsoft.com/office/drawing/2010/main" w="9525">
+                <a:solidFill>
+                  <a:srgbClr val="000000"/>
+                </a:solidFill>
+                <a:miter lim="800000"/>
+                <a:headEnd/>
+                <a:tailEnd/>
+              </a14:hiddenLine>
+            </a:ext>
+          </a:extLst>
+        </p:spPr>
+      </p:pic>
+      <p:pic>
+        <p:nvPicPr>
+          <p:cNvPr id="11" name="Picture 18" descr="j0288991[1]">
+            <a:extLst>
+              <a:ext uri="{FF2B5EF4-FFF2-40B4-BE49-F238E27FC236}">
+                <a16:creationId xmlns:a16="http://schemas.microsoft.com/office/drawing/2014/main" id="{82CD18DC-82BD-29B9-E4B8-BE955E739201}"/>
+              </a:ext>
+            </a:extLst>
+          </p:cNvPr>
+          <p:cNvPicPr>
+            <a:picLocks noChangeAspect="1" noChangeArrowheads="1"/>
+          </p:cNvPicPr>
+          <p:nvPr/>
+        </p:nvPicPr>
+        <p:blipFill>
+          <a:blip r:embed="rId3">
+            <a:extLst>
+              <a:ext uri="{28A0092B-C50C-407E-A947-70E740481C1C}">
+                <a14:useLocalDpi xmlns:a14="http://schemas.microsoft.com/office/drawing/2010/main" val="0"/>
+              </a:ext>
+            </a:extLst>
+          </a:blip>
+          <a:srcRect/>
+          <a:stretch>
+            <a:fillRect/>
+          </a:stretch>
+        </p:blipFill>
+        <p:spPr bwMode="auto">
+          <a:xfrm flipH="1">
+            <a:off x="6477000" y="3498850"/>
+            <a:ext cx="590550" cy="1481137"/>
+          </a:xfrm>
+          <a:prstGeom prst="rect">
+            <a:avLst/>
+          </a:prstGeom>
+          <a:noFill/>
+          <a:ln>
+            <a:noFill/>
+          </a:ln>
+          <a:extLst>
+            <a:ext uri="{909E8E84-426E-40DD-AFC4-6F175D3DCCD1}">
+              <a14:hiddenFill xmlns:a14="http://schemas.microsoft.com/office/drawing/2010/main">
+                <a:solidFill>
+                  <a:srgbClr val="FFFFFF"/>
+                </a:solidFill>
+              </a14:hiddenFill>
+            </a:ext>
+            <a:ext uri="{91240B29-F687-4F45-9708-019B960494DF}">
+              <a14:hiddenLine xmlns:a14="http://schemas.microsoft.com/office/drawing/2010/main" w="9525">
+                <a:solidFill>
+                  <a:srgbClr val="000000"/>
+                </a:solidFill>
+                <a:miter lim="800000"/>
+                <a:headEnd/>
+                <a:tailEnd/>
+              </a14:hiddenLine>
+            </a:ext>
+          </a:extLst>
+        </p:spPr>
+      </p:pic>
+      <p:pic>
+        <p:nvPicPr>
+          <p:cNvPr id="12" name="Picture 19" descr="j0288991[1]">
+            <a:extLst>
+              <a:ext uri="{FF2B5EF4-FFF2-40B4-BE49-F238E27FC236}">
+                <a16:creationId xmlns:a16="http://schemas.microsoft.com/office/drawing/2014/main" id="{9B768098-2921-D389-5F75-D4A32045AD61}"/>
+              </a:ext>
+            </a:extLst>
+          </p:cNvPr>
+          <p:cNvPicPr>
+            <a:picLocks noChangeAspect="1" noChangeArrowheads="1"/>
+          </p:cNvPicPr>
+          <p:nvPr/>
+        </p:nvPicPr>
+        <p:blipFill>
+          <a:blip r:embed="rId3">
+            <a:extLst>
+              <a:ext uri="{28A0092B-C50C-407E-A947-70E740481C1C}">
+                <a14:useLocalDpi xmlns:a14="http://schemas.microsoft.com/office/drawing/2010/main" val="0"/>
+              </a:ext>
+            </a:extLst>
+          </a:blip>
+          <a:srcRect/>
+          <a:stretch>
+            <a:fillRect/>
+          </a:stretch>
+        </p:blipFill>
+        <p:spPr bwMode="auto">
+          <a:xfrm>
+            <a:off x="5049838" y="1473200"/>
+            <a:ext cx="590550" cy="1481137"/>
+          </a:xfrm>
+          <a:prstGeom prst="rect">
+            <a:avLst/>
+          </a:prstGeom>
+          <a:noFill/>
+          <a:ln>
+            <a:noFill/>
+          </a:ln>
+          <a:extLst>
+            <a:ext uri="{909E8E84-426E-40DD-AFC4-6F175D3DCCD1}">
+              <a14:hiddenFill xmlns:a14="http://schemas.microsoft.com/office/drawing/2010/main">
+                <a:solidFill>
+                  <a:srgbClr val="FFFFFF"/>
+                </a:solidFill>
+              </a14:hiddenFill>
+            </a:ext>
+            <a:ext uri="{91240B29-F687-4F45-9708-019B960494DF}">
+              <a14:hiddenLine xmlns:a14="http://schemas.microsoft.com/office/drawing/2010/main" w="9525">
+                <a:solidFill>
+                  <a:srgbClr val="000000"/>
+                </a:solidFill>
+                <a:miter lim="800000"/>
+                <a:headEnd/>
+                <a:tailEnd/>
+              </a14:hiddenLine>
+            </a:ext>
+          </a:extLst>
+        </p:spPr>
+      </p:pic>
+      <p:pic>
+        <p:nvPicPr>
+          <p:cNvPr id="13" name="Picture 20" descr="j0288991[1]">
+            <a:extLst>
+              <a:ext uri="{FF2B5EF4-FFF2-40B4-BE49-F238E27FC236}">
+                <a16:creationId xmlns:a16="http://schemas.microsoft.com/office/drawing/2014/main" id="{8700D053-5F92-F49C-4CF5-8C5B6FE72579}"/>
+              </a:ext>
+            </a:extLst>
+          </p:cNvPr>
+          <p:cNvPicPr>
+            <a:picLocks noChangeAspect="1" noChangeArrowheads="1"/>
+          </p:cNvPicPr>
+          <p:nvPr/>
+        </p:nvPicPr>
+        <p:blipFill>
+          <a:blip r:embed="rId3">
+            <a:extLst>
+              <a:ext uri="{28A0092B-C50C-407E-A947-70E740481C1C}">
+                <a14:useLocalDpi xmlns:a14="http://schemas.microsoft.com/office/drawing/2010/main" val="0"/>
+              </a:ext>
+            </a:extLst>
+          </a:blip>
+          <a:srcRect/>
+          <a:stretch>
+            <a:fillRect/>
+          </a:stretch>
+        </p:blipFill>
+        <p:spPr bwMode="auto">
+          <a:xfrm>
+            <a:off x="2717800" y="4495800"/>
+            <a:ext cx="590550" cy="1481137"/>
+          </a:xfrm>
+          <a:prstGeom prst="rect">
+            <a:avLst/>
+          </a:prstGeom>
+          <a:noFill/>
+          <a:ln>
+            <a:noFill/>
+          </a:ln>
+          <a:extLst>
+            <a:ext uri="{909E8E84-426E-40DD-AFC4-6F175D3DCCD1}">
+              <a14:hiddenFill xmlns:a14="http://schemas.microsoft.com/office/drawing/2010/main">
+                <a:solidFill>
+                  <a:srgbClr val="FFFFFF"/>
+                </a:solidFill>
+              </a14:hiddenFill>
+            </a:ext>
+            <a:ext uri="{91240B29-F687-4F45-9708-019B960494DF}">
+              <a14:hiddenLine xmlns:a14="http://schemas.microsoft.com/office/drawing/2010/main" w="9525">
+                <a:solidFill>
+                  <a:srgbClr val="000000"/>
+                </a:solidFill>
+                <a:miter lim="800000"/>
+                <a:headEnd/>
+                <a:tailEnd/>
+              </a14:hiddenLine>
+            </a:ext>
+          </a:extLst>
+        </p:spPr>
+      </p:pic>
       <p:sp>
         <p:nvSpPr>
-          <p:cNvPr id="4" name="Subtitle 3"/>
-          <p:cNvSpPr>
-            <a:spLocks noGrp="1"/>
+          <p:cNvPr id="14" name="Text Box 22">
+            <a:extLst>
+              <a:ext uri="{FF2B5EF4-FFF2-40B4-BE49-F238E27FC236}">
+                <a16:creationId xmlns:a16="http://schemas.microsoft.com/office/drawing/2014/main" id="{7B621B80-A6C5-37DD-3AE8-CB0FFA0278B9}"/>
+              </a:ext>
+            </a:extLst>
+          </p:cNvPr>
+          <p:cNvSpPr txBox="1">
+            <a:spLocks noChangeArrowheads="1"/>
           </p:cNvSpPr>
-          <p:nvPr>
-            <p:ph type="subTitle" idx="1"/>
-          </p:nvPr>
+          <p:nvPr/>
         </p:nvSpPr>
-        <p:spPr/>
+        <p:spPr bwMode="auto">
+          <a:xfrm>
+            <a:off x="2813049" y="3199310"/>
+            <a:ext cx="3117852" cy="1200329"/>
+          </a:xfrm>
+          <a:prstGeom prst="rect">
+            <a:avLst/>
+          </a:prstGeom>
+          <a:solidFill>
+            <a:srgbClr val="FFFF00"/>
+          </a:solidFill>
+          <a:ln w="9525">
+            <a:solidFill>
+              <a:schemeClr val="tx1"/>
+            </a:solidFill>
+            <a:miter lim="800000"/>
+            <a:headEnd/>
+            <a:tailEnd/>
+          </a:ln>
+          <a:effectLst>
+            <a:outerShdw blurRad="63500" dist="107763" dir="2700000" algn="ctr" rotWithShape="0">
+              <a:schemeClr val="bg2">
+                <a:alpha val="50000"/>
+              </a:schemeClr>
+            </a:outerShdw>
+          </a:effectLst>
+        </p:spPr>
         <p:txBody>
-          <a:bodyPr/>
-          <a:lstStyle/>
-          <a:p>
-            <a:pPr>
-              <a:defRPr/>
-            </a:pPr>
-            <a:r>
-              <a:rPr lang="en-US" dirty="0"/>
-              <a:t>6.004x Computation Structures</a:t>
-            </a:r>
-          </a:p>
-          <a:p>
-            <a:pPr>
-              <a:defRPr/>
-            </a:pPr>
-            <a:r>
-              <a:rPr lang="en-US" dirty="0"/>
-              <a:t>Part 3 – Computer Organization</a:t>
-            </a:r>
-          </a:p>
-          <a:p>
-            <a:pPr>
-              <a:defRPr/>
-            </a:pPr>
-            <a:endParaRPr lang="en-US" dirty="0"/>
-          </a:p>
-          <a:p>
-            <a:pPr>
-              <a:defRPr/>
-            </a:pPr>
-            <a:r>
-              <a:rPr lang="en-US" dirty="0"/>
-              <a:t>Copyright © 2016 MIT EECS</a:t>
+          <a:bodyPr wrap="square">
+            <a:spAutoFit/>
+          </a:bodyPr>
+          <a:lstStyle>
+            <a:lvl1pPr eaLnBrk="0" hangingPunct="0">
+              <a:defRPr sz="1600" b="1">
+                <a:solidFill>
+                  <a:schemeClr val="tx1"/>
+                </a:solidFill>
+                <a:latin typeface="Tekton Pro" pitchFamily="-84" charset="0"/>
+                <a:ea typeface="ＭＳ Ｐゴシック" panose="020B0600070205080204" pitchFamily="34" charset="-128"/>
+              </a:defRPr>
+            </a:lvl1pPr>
+            <a:lvl2pPr marL="742950" indent="-285750" eaLnBrk="0" hangingPunct="0">
+              <a:defRPr sz="1600" b="1">
+                <a:solidFill>
+                  <a:schemeClr val="tx1"/>
+                </a:solidFill>
+                <a:latin typeface="Tekton Pro" pitchFamily="-84" charset="0"/>
+                <a:ea typeface="ＭＳ Ｐゴシック" panose="020B0600070205080204" pitchFamily="34" charset="-128"/>
+              </a:defRPr>
+            </a:lvl2pPr>
+            <a:lvl3pPr marL="1143000" indent="-228600" eaLnBrk="0" hangingPunct="0">
+              <a:defRPr sz="1600" b="1">
+                <a:solidFill>
+                  <a:schemeClr val="tx1"/>
+                </a:solidFill>
+                <a:latin typeface="Tekton Pro" pitchFamily="-84" charset="0"/>
+                <a:ea typeface="ＭＳ Ｐゴシック" panose="020B0600070205080204" pitchFamily="34" charset="-128"/>
+              </a:defRPr>
+            </a:lvl3pPr>
+            <a:lvl4pPr marL="1600200" indent="-228600" eaLnBrk="0" hangingPunct="0">
+              <a:defRPr sz="1600" b="1">
+                <a:solidFill>
+                  <a:schemeClr val="tx1"/>
+                </a:solidFill>
+                <a:latin typeface="Tekton Pro" pitchFamily="-84" charset="0"/>
+                <a:ea typeface="ＭＳ Ｐゴシック" panose="020B0600070205080204" pitchFamily="34" charset="-128"/>
+              </a:defRPr>
+            </a:lvl4pPr>
+            <a:lvl5pPr marL="2057400" indent="-228600" eaLnBrk="0" hangingPunct="0">
+              <a:defRPr sz="1600" b="1">
+                <a:solidFill>
+                  <a:schemeClr val="tx1"/>
+                </a:solidFill>
+                <a:latin typeface="Tekton Pro" pitchFamily="-84" charset="0"/>
+                <a:ea typeface="ＭＳ Ｐゴシック" panose="020B0600070205080204" pitchFamily="34" charset="-128"/>
+              </a:defRPr>
+            </a:lvl5pPr>
+            <a:lvl6pPr marL="2514600" indent="-228600" algn="ctr" eaLnBrk="0" fontAlgn="base" hangingPunct="0">
+              <a:spcBef>
+                <a:spcPct val="0"/>
+              </a:spcBef>
+              <a:spcAft>
+                <a:spcPct val="0"/>
+              </a:spcAft>
+              <a:defRPr sz="1600" b="1">
+                <a:solidFill>
+                  <a:schemeClr val="tx1"/>
+                </a:solidFill>
+                <a:latin typeface="Tekton Pro" pitchFamily="-84" charset="0"/>
+                <a:ea typeface="ＭＳ Ｐゴシック" panose="020B0600070205080204" pitchFamily="34" charset="-128"/>
+              </a:defRPr>
+            </a:lvl6pPr>
+            <a:lvl7pPr marL="2971800" indent="-228600" algn="ctr" eaLnBrk="0" fontAlgn="base" hangingPunct="0">
+              <a:spcBef>
+                <a:spcPct val="0"/>
+              </a:spcBef>
+              <a:spcAft>
+                <a:spcPct val="0"/>
+              </a:spcAft>
+              <a:defRPr sz="1600" b="1">
+                <a:solidFill>
+                  <a:schemeClr val="tx1"/>
+                </a:solidFill>
+                <a:latin typeface="Tekton Pro" pitchFamily="-84" charset="0"/>
+                <a:ea typeface="ＭＳ Ｐゴシック" panose="020B0600070205080204" pitchFamily="34" charset="-128"/>
+              </a:defRPr>
+            </a:lvl7pPr>
+            <a:lvl8pPr marL="3429000" indent="-228600" algn="ctr" eaLnBrk="0" fontAlgn="base" hangingPunct="0">
+              <a:spcBef>
+                <a:spcPct val="0"/>
+              </a:spcBef>
+              <a:spcAft>
+                <a:spcPct val="0"/>
+              </a:spcAft>
+              <a:defRPr sz="1600" b="1">
+                <a:solidFill>
+                  <a:schemeClr val="tx1"/>
+                </a:solidFill>
+                <a:latin typeface="Tekton Pro" pitchFamily="-84" charset="0"/>
+                <a:ea typeface="ＭＳ Ｐゴシック" panose="020B0600070205080204" pitchFamily="34" charset="-128"/>
+              </a:defRPr>
+            </a:lvl8pPr>
+            <a:lvl9pPr marL="3886200" indent="-228600" algn="ctr" eaLnBrk="0" fontAlgn="base" hangingPunct="0">
+              <a:spcBef>
+                <a:spcPct val="0"/>
+              </a:spcBef>
+              <a:spcAft>
+                <a:spcPct val="0"/>
+              </a:spcAft>
+              <a:defRPr sz="1600" b="1">
+                <a:solidFill>
+                  <a:schemeClr val="tx1"/>
+                </a:solidFill>
+                <a:latin typeface="Tekton Pro" pitchFamily="-84" charset="0"/>
+                <a:ea typeface="ＭＳ Ｐゴシック" panose="020B0600070205080204" pitchFamily="34" charset="-128"/>
+              </a:defRPr>
+            </a:lvl9pPr>
+          </a:lstStyle>
+          <a:p>
+            <a:pPr algn="ctr" eaLnBrk="1" hangingPunct="1"/>
+            <a:r>
+              <a:rPr lang="en-US" altLang="en-US" sz="2400" dirty="0">
+                <a:latin typeface="Comic Sans MS" panose="030F0902030302020204" pitchFamily="66" charset="0"/>
+              </a:rPr>
+              <a:t>The 9-member</a:t>
+            </a:r>
+          </a:p>
+          <a:p>
+            <a:pPr algn="ctr" eaLnBrk="1" hangingPunct="1"/>
+            <a:r>
+              <a:rPr lang="en-US" altLang="en-US" sz="2400" dirty="0">
+                <a:latin typeface="Comic Sans MS" panose="030F0902030302020204" pitchFamily="66" charset="0"/>
+              </a:rPr>
+              <a:t>“Baby in a Month”</a:t>
+            </a:r>
+          </a:p>
+          <a:p>
+            <a:pPr algn="ctr" eaLnBrk="1" hangingPunct="1"/>
+            <a:r>
+              <a:rPr lang="en-US" altLang="en-US" sz="2400" dirty="0">
+                <a:latin typeface="Comic Sans MS" panose="030F0902030302020204" pitchFamily="66" charset="0"/>
+              </a:rPr>
+              <a:t>team</a:t>
             </a:r>
           </a:p>
         </p:txBody>
@@ -19560,14 +20155,14 @@
             </a:ln>
             <a:extLst>
               <a:ext uri="{909E8E84-426E-40dd-AFC4-6F175D3DCCD1}">
-                <a14:hiddenFill xmlns="" xmlns:a14="http://schemas.microsoft.com/office/drawing/2010/main">
+                <a14:hiddenFill xmlns:a14="http://schemas.microsoft.com/office/drawing/2010/main" xmlns="">
                   <a:solidFill>
                     <a:srgbClr val="FFFFFF"/>
                   </a:solidFill>
                 </a14:hiddenFill>
               </a:ext>
               <a:ext uri="{91240B29-F687-4f45-9708-019B960494DF}">
-                <a14:hiddenLine xmlns="" xmlns:a14="http://schemas.microsoft.com/office/drawing/2010/main" w="12700">
+                <a14:hiddenLine xmlns:a14="http://schemas.microsoft.com/office/drawing/2010/main" xmlns="" w="12700">
                   <a:solidFill>
                     <a:srgbClr val="000000"/>
                   </a:solidFill>
@@ -19665,14 +20260,14 @@
             </a:ln>
             <a:extLst>
               <a:ext uri="{909E8E84-426E-40dd-AFC4-6F175D3DCCD1}">
-                <a14:hiddenFill xmlns="" xmlns:a14="http://schemas.microsoft.com/office/drawing/2010/main">
+                <a14:hiddenFill xmlns:a14="http://schemas.microsoft.com/office/drawing/2010/main" xmlns="">
                   <a:solidFill>
                     <a:srgbClr val="FFFFFF"/>
                   </a:solidFill>
                 </a14:hiddenFill>
               </a:ext>
               <a:ext uri="{91240B29-F687-4f45-9708-019B960494DF}">
-                <a14:hiddenLine xmlns="" xmlns:a14="http://schemas.microsoft.com/office/drawing/2010/main" w="12700">
+                <a14:hiddenLine xmlns:a14="http://schemas.microsoft.com/office/drawing/2010/main" xmlns="" w="12700">
                   <a:solidFill>
                     <a:srgbClr val="000000"/>
                   </a:solidFill>
@@ -19770,14 +20365,14 @@
             </a:ln>
             <a:extLst>
               <a:ext uri="{909E8E84-426E-40dd-AFC4-6F175D3DCCD1}">
-                <a14:hiddenFill xmlns="" xmlns:a14="http://schemas.microsoft.com/office/drawing/2010/main">
+                <a14:hiddenFill xmlns:a14="http://schemas.microsoft.com/office/drawing/2010/main" xmlns="">
                   <a:solidFill>
                     <a:srgbClr val="FFFFFF"/>
                   </a:solidFill>
                 </a14:hiddenFill>
               </a:ext>
               <a:ext uri="{91240B29-F687-4f45-9708-019B960494DF}">
-                <a14:hiddenLine xmlns="" xmlns:a14="http://schemas.microsoft.com/office/drawing/2010/main" w="19050">
+                <a14:hiddenLine xmlns:a14="http://schemas.microsoft.com/office/drawing/2010/main" xmlns="" w="19050">
                   <a:solidFill>
                     <a:srgbClr val="000000"/>
                   </a:solidFill>
@@ -20203,12 +20798,12 @@
           <a:graphicData uri="http://schemas.openxmlformats.org/presentationml/2006/ole">
             <mc:AlternateContent xmlns:mc="http://schemas.openxmlformats.org/markup-compatibility/2006">
               <mc:Choice xmlns:v="urn:schemas-microsoft-com:vml" Requires="v">
-                <p:oleObj spid="_x0000_s3171" name="Equation" r:id="rId4" imgW="3872558" imgH="609600" progId="Equation.3">
+                <p:oleObj name="Equation" r:id="rId3" imgW="3872558" imgH="609600" progId="Equation.3">
                   <p:embed/>
                 </p:oleObj>
               </mc:Choice>
               <mc:Fallback>
-                <p:oleObj name="Equation" r:id="rId4" imgW="3872558" imgH="609600" progId="Equation.3">
+                <p:oleObj name="Equation" r:id="rId3" imgW="3872558" imgH="609600" progId="Equation.3">
                   <p:embed/>
                   <p:pic>
                     <p:nvPicPr>
@@ -20219,7 +20814,7 @@
                       <p:nvPr/>
                     </p:nvPicPr>
                     <p:blipFill>
-                      <a:blip r:embed="rId5">
+                      <a:blip r:embed="rId4">
                         <a:extLst>
                           <a:ext uri="{28A0092B-C50C-407E-A947-70E740481C1C}">
                             <a14:useLocalDpi xmlns:a14="http://schemas.microsoft.com/office/drawing/2010/main" val="0"/>
@@ -20242,7 +20837,7 @@
                       <a:noFill/>
                       <a:extLst>
                         <a:ext uri="{909E8E84-426E-40dd-AFC4-6F175D3DCCD1}">
-                          <a14:hiddenFill xmlns="" xmlns:a14="http://schemas.microsoft.com/office/drawing/2010/main">
+                          <a14:hiddenFill xmlns:a14="http://schemas.microsoft.com/office/drawing/2010/main" xmlns="">
                             <a:solidFill>
                               <a:srgbClr val="FFFFFF"/>
                             </a:solidFill>
@@ -20794,14 +21389,14 @@
             </a:ln>
             <a:extLst>
               <a:ext uri="{909E8E84-426E-40dd-AFC4-6F175D3DCCD1}">
-                <a14:hiddenFill xmlns="" xmlns:a14="http://schemas.microsoft.com/office/drawing/2010/main">
+                <a14:hiddenFill xmlns:a14="http://schemas.microsoft.com/office/drawing/2010/main" xmlns="">
                   <a:solidFill>
                     <a:srgbClr val="FFFFFF"/>
                   </a:solidFill>
                 </a14:hiddenFill>
               </a:ext>
               <a:ext uri="{91240B29-F687-4f45-9708-019B960494DF}">
-                <a14:hiddenLine xmlns="" xmlns:a14="http://schemas.microsoft.com/office/drawing/2010/main" w="12700">
+                <a14:hiddenLine xmlns:a14="http://schemas.microsoft.com/office/drawing/2010/main" xmlns="" w="12700">
                   <a:solidFill>
                     <a:srgbClr val="000000"/>
                   </a:solidFill>
@@ -20977,14 +21572,14 @@
             </a:ln>
             <a:extLst>
               <a:ext uri="{909E8E84-426E-40dd-AFC4-6F175D3DCCD1}">
-                <a14:hiddenFill xmlns="" xmlns:a14="http://schemas.microsoft.com/office/drawing/2010/main">
+                <a14:hiddenFill xmlns:a14="http://schemas.microsoft.com/office/drawing/2010/main" xmlns="">
                   <a:solidFill>
                     <a:srgbClr val="FFFFFF"/>
                   </a:solidFill>
                 </a14:hiddenFill>
               </a:ext>
               <a:ext uri="{91240B29-F687-4f45-9708-019B960494DF}">
-                <a14:hiddenLine xmlns="" xmlns:a14="http://schemas.microsoft.com/office/drawing/2010/main" w="12700">
+                <a14:hiddenLine xmlns:a14="http://schemas.microsoft.com/office/drawing/2010/main" xmlns="" w="12700">
                   <a:solidFill>
                     <a:srgbClr val="000000"/>
                   </a:solidFill>
@@ -21038,14 +21633,14 @@
           </a:ln>
           <a:extLst>
             <a:ext uri="{909E8E84-426E-40dd-AFC4-6F175D3DCCD1}">
-              <a14:hiddenFill xmlns="" xmlns:a14="http://schemas.microsoft.com/office/drawing/2010/main">
+              <a14:hiddenFill xmlns:a14="http://schemas.microsoft.com/office/drawing/2010/main" xmlns="">
                 <a:solidFill>
                   <a:srgbClr val="FFFFFF"/>
                 </a:solidFill>
               </a14:hiddenFill>
             </a:ext>
             <a:ext uri="{91240B29-F687-4f45-9708-019B960494DF}">
-              <a14:hiddenLine xmlns="" xmlns:a14="http://schemas.microsoft.com/office/drawing/2010/main" w="12700">
+              <a14:hiddenLine xmlns:a14="http://schemas.microsoft.com/office/drawing/2010/main" xmlns="" w="12700">
                 <a:solidFill>
                   <a:srgbClr val="000000"/>
                 </a:solidFill>
@@ -21131,14 +21726,14 @@
           </a:ln>
           <a:extLst>
             <a:ext uri="{909E8E84-426E-40dd-AFC4-6F175D3DCCD1}">
-              <a14:hiddenFill xmlns="" xmlns:a14="http://schemas.microsoft.com/office/drawing/2010/main">
+              <a14:hiddenFill xmlns:a14="http://schemas.microsoft.com/office/drawing/2010/main" xmlns="">
                 <a:solidFill>
                   <a:srgbClr val="FFFFFF"/>
                 </a:solidFill>
               </a14:hiddenFill>
             </a:ext>
             <a:ext uri="{91240B29-F687-4f45-9708-019B960494DF}">
-              <a14:hiddenLine xmlns="" xmlns:a14="http://schemas.microsoft.com/office/drawing/2010/main" w="12700">
+              <a14:hiddenLine xmlns:a14="http://schemas.microsoft.com/office/drawing/2010/main" xmlns="" w="12700">
                 <a:solidFill>
                   <a:srgbClr val="000000"/>
                 </a:solidFill>
@@ -21264,14 +21859,14 @@
           </a:ln>
           <a:extLst>
             <a:ext uri="{909E8E84-426E-40dd-AFC4-6F175D3DCCD1}">
-              <a14:hiddenFill xmlns="" xmlns:a14="http://schemas.microsoft.com/office/drawing/2010/main">
+              <a14:hiddenFill xmlns:a14="http://schemas.microsoft.com/office/drawing/2010/main" xmlns="">
                 <a:solidFill>
                   <a:srgbClr val="FFFFFF"/>
                 </a:solidFill>
               </a14:hiddenFill>
             </a:ext>
             <a:ext uri="{91240B29-F687-4f45-9708-019B960494DF}">
-              <a14:hiddenLine xmlns="" xmlns:a14="http://schemas.microsoft.com/office/drawing/2010/main" w="12700">
+              <a14:hiddenLine xmlns:a14="http://schemas.microsoft.com/office/drawing/2010/main" xmlns="" w="12700">
                 <a:solidFill>
                   <a:srgbClr val="000000"/>
                 </a:solidFill>
@@ -21395,14 +21990,14 @@
           </a:ln>
           <a:extLst>
             <a:ext uri="{909E8E84-426E-40dd-AFC4-6F175D3DCCD1}">
-              <a14:hiddenFill xmlns="" xmlns:a14="http://schemas.microsoft.com/office/drawing/2010/main">
+              <a14:hiddenFill xmlns:a14="http://schemas.microsoft.com/office/drawing/2010/main" xmlns="">
                 <a:solidFill>
                   <a:srgbClr val="FFFFFF"/>
                 </a:solidFill>
               </a14:hiddenFill>
             </a:ext>
             <a:ext uri="{91240B29-F687-4f45-9708-019B960494DF}">
-              <a14:hiddenLine xmlns="" xmlns:a14="http://schemas.microsoft.com/office/drawing/2010/main" w="12700">
+              <a14:hiddenLine xmlns:a14="http://schemas.microsoft.com/office/drawing/2010/main" xmlns="" w="12700">
                 <a:solidFill>
                   <a:srgbClr val="000000"/>
                 </a:solidFill>
@@ -21486,14 +22081,14 @@
           </a:ln>
           <a:extLst>
             <a:ext uri="{909E8E84-426E-40dd-AFC4-6F175D3DCCD1}">
-              <a14:hiddenFill xmlns="" xmlns:a14="http://schemas.microsoft.com/office/drawing/2010/main">
+              <a14:hiddenFill xmlns:a14="http://schemas.microsoft.com/office/drawing/2010/main" xmlns="">
                 <a:solidFill>
                   <a:srgbClr val="FFFFFF"/>
                 </a:solidFill>
               </a14:hiddenFill>
             </a:ext>
             <a:ext uri="{91240B29-F687-4f45-9708-019B960494DF}">
-              <a14:hiddenLine xmlns="" xmlns:a14="http://schemas.microsoft.com/office/drawing/2010/main" w="9525">
+              <a14:hiddenLine xmlns:a14="http://schemas.microsoft.com/office/drawing/2010/main" xmlns="" w="9525">
                 <a:solidFill>
                   <a:srgbClr val="000000"/>
                 </a:solidFill>
@@ -21686,14 +22281,14 @@
             </a:ln>
             <a:extLst>
               <a:ext uri="{909E8E84-426E-40dd-AFC4-6F175D3DCCD1}">
-                <a14:hiddenFill xmlns="" xmlns:a14="http://schemas.microsoft.com/office/drawing/2010/main">
+                <a14:hiddenFill xmlns:a14="http://schemas.microsoft.com/office/drawing/2010/main" xmlns="">
                   <a:solidFill>
                     <a:srgbClr val="FFFFFF"/>
                   </a:solidFill>
                 </a14:hiddenFill>
               </a:ext>
               <a:ext uri="{91240B29-F687-4f45-9708-019B960494DF}">
-                <a14:hiddenLine xmlns="" xmlns:a14="http://schemas.microsoft.com/office/drawing/2010/main" w="9525">
+                <a14:hiddenLine xmlns:a14="http://schemas.microsoft.com/office/drawing/2010/main" xmlns="" w="9525">
                   <a:solidFill>
                     <a:srgbClr val="000000"/>
                   </a:solidFill>
@@ -21852,14 +22447,14 @@
             </a:ln>
             <a:extLst>
               <a:ext uri="{909E8E84-426E-40dd-AFC4-6F175D3DCCD1}">
-                <a14:hiddenFill xmlns="" xmlns:a14="http://schemas.microsoft.com/office/drawing/2010/main">
+                <a14:hiddenFill xmlns:a14="http://schemas.microsoft.com/office/drawing/2010/main" xmlns="">
                   <a:solidFill>
                     <a:srgbClr val="FFFFFF"/>
                   </a:solidFill>
                 </a14:hiddenFill>
               </a:ext>
               <a:ext uri="{91240B29-F687-4f45-9708-019B960494DF}">
-                <a14:hiddenLine xmlns="" xmlns:a14="http://schemas.microsoft.com/office/drawing/2010/main" w="9525">
+                <a14:hiddenLine xmlns:a14="http://schemas.microsoft.com/office/drawing/2010/main" xmlns="" w="9525">
                   <a:solidFill>
                     <a:srgbClr val="000000"/>
                   </a:solidFill>
@@ -23557,14 +24152,14 @@
           </a:ln>
           <a:extLst>
             <a:ext uri="{909E8E84-426E-40dd-AFC4-6F175D3DCCD1}">
-              <a14:hiddenFill xmlns="" xmlns:a14="http://schemas.microsoft.com/office/drawing/2010/main">
+              <a14:hiddenFill xmlns:a14="http://schemas.microsoft.com/office/drawing/2010/main" xmlns="">
                 <a:solidFill>
                   <a:srgbClr val="FFFFFF"/>
                 </a:solidFill>
               </a14:hiddenFill>
             </a:ext>
             <a:ext uri="{91240B29-F687-4f45-9708-019B960494DF}">
-              <a14:hiddenLine xmlns="" xmlns:a14="http://schemas.microsoft.com/office/drawing/2010/main" w="12700">
+              <a14:hiddenLine xmlns:a14="http://schemas.microsoft.com/office/drawing/2010/main" xmlns="" w="12700">
                 <a:solidFill>
                   <a:srgbClr val="000000"/>
                 </a:solidFill>
@@ -23646,14 +24241,14 @@
           </a:ln>
           <a:extLst>
             <a:ext uri="{909E8E84-426E-40dd-AFC4-6F175D3DCCD1}">
-              <a14:hiddenFill xmlns="" xmlns:a14="http://schemas.microsoft.com/office/drawing/2010/main">
+              <a14:hiddenFill xmlns:a14="http://schemas.microsoft.com/office/drawing/2010/main" xmlns="">
                 <a:solidFill>
                   <a:srgbClr val="FFFFFF"/>
                 </a:solidFill>
               </a14:hiddenFill>
             </a:ext>
             <a:ext uri="{91240B29-F687-4f45-9708-019B960494DF}">
-              <a14:hiddenLine xmlns="" xmlns:a14="http://schemas.microsoft.com/office/drawing/2010/main" w="12700">
+              <a14:hiddenLine xmlns:a14="http://schemas.microsoft.com/office/drawing/2010/main" xmlns="" w="12700">
                 <a:solidFill>
                   <a:srgbClr val="000000"/>
                 </a:solidFill>
@@ -23829,14 +24424,14 @@
           </a:ln>
           <a:extLst>
             <a:ext uri="{909E8E84-426E-40dd-AFC4-6F175D3DCCD1}">
-              <a14:hiddenFill xmlns="" xmlns:a14="http://schemas.microsoft.com/office/drawing/2010/main">
+              <a14:hiddenFill xmlns:a14="http://schemas.microsoft.com/office/drawing/2010/main" xmlns="">
                 <a:solidFill>
                   <a:srgbClr val="FFFFFF"/>
                 </a:solidFill>
               </a14:hiddenFill>
             </a:ext>
             <a:ext uri="{91240B29-F687-4f45-9708-019B960494DF}">
-              <a14:hiddenLine xmlns="" xmlns:a14="http://schemas.microsoft.com/office/drawing/2010/main" w="12700">
+              <a14:hiddenLine xmlns:a14="http://schemas.microsoft.com/office/drawing/2010/main" xmlns="" w="12700">
                 <a:solidFill>
                   <a:srgbClr val="000000"/>
                 </a:solidFill>
@@ -23889,14 +24484,14 @@
           </a:ln>
           <a:extLst>
             <a:ext uri="{909E8E84-426E-40dd-AFC4-6F175D3DCCD1}">
-              <a14:hiddenFill xmlns="" xmlns:a14="http://schemas.microsoft.com/office/drawing/2010/main">
+              <a14:hiddenFill xmlns:a14="http://schemas.microsoft.com/office/drawing/2010/main" xmlns="">
                 <a:solidFill>
                   <a:srgbClr val="FFFFFF"/>
                 </a:solidFill>
               </a14:hiddenFill>
             </a:ext>
             <a:ext uri="{91240B29-F687-4f45-9708-019B960494DF}">
-              <a14:hiddenLine xmlns="" xmlns:a14="http://schemas.microsoft.com/office/drawing/2010/main" w="12700">
+              <a14:hiddenLine xmlns:a14="http://schemas.microsoft.com/office/drawing/2010/main" xmlns="" w="12700">
                 <a:solidFill>
                   <a:srgbClr val="000000"/>
                 </a:solidFill>
@@ -23982,14 +24577,14 @@
           </a:ln>
           <a:extLst>
             <a:ext uri="{909E8E84-426E-40dd-AFC4-6F175D3DCCD1}">
-              <a14:hiddenFill xmlns="" xmlns:a14="http://schemas.microsoft.com/office/drawing/2010/main">
+              <a14:hiddenFill xmlns:a14="http://schemas.microsoft.com/office/drawing/2010/main" xmlns="">
                 <a:solidFill>
                   <a:srgbClr val="FFFFFF"/>
                 </a:solidFill>
               </a14:hiddenFill>
             </a:ext>
             <a:ext uri="{91240B29-F687-4f45-9708-019B960494DF}">
-              <a14:hiddenLine xmlns="" xmlns:a14="http://schemas.microsoft.com/office/drawing/2010/main" w="12700">
+              <a14:hiddenLine xmlns:a14="http://schemas.microsoft.com/office/drawing/2010/main" xmlns="" w="12700">
                 <a:solidFill>
                   <a:srgbClr val="000000"/>
                 </a:solidFill>
@@ -24089,14 +24684,14 @@
             </a:ln>
             <a:extLst>
               <a:ext uri="{909E8E84-426E-40dd-AFC4-6F175D3DCCD1}">
-                <a14:hiddenFill xmlns="" xmlns:a14="http://schemas.microsoft.com/office/drawing/2010/main">
+                <a14:hiddenFill xmlns:a14="http://schemas.microsoft.com/office/drawing/2010/main" xmlns="">
                   <a:solidFill>
                     <a:srgbClr val="FFFFFF"/>
                   </a:solidFill>
                 </a14:hiddenFill>
               </a:ext>
               <a:ext uri="{91240B29-F687-4f45-9708-019B960494DF}">
-                <a14:hiddenLine xmlns="" xmlns:a14="http://schemas.microsoft.com/office/drawing/2010/main" w="19050">
+                <a14:hiddenLine xmlns:a14="http://schemas.microsoft.com/office/drawing/2010/main" xmlns="" w="19050">
                   <a:solidFill>
                     <a:srgbClr val="000000"/>
                   </a:solidFill>
@@ -25575,14 +26170,14 @@
           </a:ln>
           <a:extLst>
             <a:ext uri="{909E8E84-426E-40dd-AFC4-6F175D3DCCD1}">
-              <a14:hiddenFill xmlns="" xmlns:a14="http://schemas.microsoft.com/office/drawing/2010/main">
+              <a14:hiddenFill xmlns:a14="http://schemas.microsoft.com/office/drawing/2010/main" xmlns="">
                 <a:solidFill>
                   <a:srgbClr val="FFFFFF"/>
                 </a:solidFill>
               </a14:hiddenFill>
             </a:ext>
             <a:ext uri="{91240B29-F687-4f45-9708-019B960494DF}">
-              <a14:hiddenLine xmlns="" xmlns:a14="http://schemas.microsoft.com/office/drawing/2010/main" w="12700">
+              <a14:hiddenLine xmlns:a14="http://schemas.microsoft.com/office/drawing/2010/main" xmlns="" w="12700">
                 <a:solidFill>
                   <a:srgbClr val="000000"/>
                 </a:solidFill>
@@ -25666,14 +26261,14 @@
           </a:ln>
           <a:extLst>
             <a:ext uri="{909E8E84-426E-40dd-AFC4-6F175D3DCCD1}">
-              <a14:hiddenFill xmlns="" xmlns:a14="http://schemas.microsoft.com/office/drawing/2010/main">
+              <a14:hiddenFill xmlns:a14="http://schemas.microsoft.com/office/drawing/2010/main" xmlns="">
                 <a:solidFill>
                   <a:srgbClr val="FFFFFF"/>
                 </a:solidFill>
               </a14:hiddenFill>
             </a:ext>
             <a:ext uri="{91240B29-F687-4f45-9708-019B960494DF}">
-              <a14:hiddenLine xmlns="" xmlns:a14="http://schemas.microsoft.com/office/drawing/2010/main" w="12700">
+              <a14:hiddenLine xmlns:a14="http://schemas.microsoft.com/office/drawing/2010/main" xmlns="" w="12700">
                 <a:solidFill>
                   <a:srgbClr val="000000"/>
                 </a:solidFill>
@@ -25815,14 +26410,14 @@
           </a:ln>
           <a:extLst>
             <a:ext uri="{909E8E84-426E-40dd-AFC4-6F175D3DCCD1}">
-              <a14:hiddenFill xmlns="" xmlns:a14="http://schemas.microsoft.com/office/drawing/2010/main">
+              <a14:hiddenFill xmlns:a14="http://schemas.microsoft.com/office/drawing/2010/main" xmlns="">
                 <a:solidFill>
                   <a:srgbClr val="FFFFFF"/>
                 </a:solidFill>
               </a14:hiddenFill>
             </a:ext>
             <a:ext uri="{91240B29-F687-4f45-9708-019B960494DF}">
-              <a14:hiddenLine xmlns="" xmlns:a14="http://schemas.microsoft.com/office/drawing/2010/main" w="12700">
+              <a14:hiddenLine xmlns:a14="http://schemas.microsoft.com/office/drawing/2010/main" xmlns="" w="12700">
                 <a:solidFill>
                   <a:srgbClr val="000000"/>
                 </a:solidFill>
@@ -25908,14 +26503,14 @@
           </a:ln>
           <a:extLst>
             <a:ext uri="{909E8E84-426E-40dd-AFC4-6F175D3DCCD1}">
-              <a14:hiddenFill xmlns="" xmlns:a14="http://schemas.microsoft.com/office/drawing/2010/main">
+              <a14:hiddenFill xmlns:a14="http://schemas.microsoft.com/office/drawing/2010/main" xmlns="">
                 <a:solidFill>
                   <a:srgbClr val="FFFFFF"/>
                 </a:solidFill>
               </a14:hiddenFill>
             </a:ext>
             <a:ext uri="{91240B29-F687-4f45-9708-019B960494DF}">
-              <a14:hiddenLine xmlns="" xmlns:a14="http://schemas.microsoft.com/office/drawing/2010/main" w="12700">
+              <a14:hiddenLine xmlns:a14="http://schemas.microsoft.com/office/drawing/2010/main" xmlns="" w="12700">
                 <a:solidFill>
                   <a:srgbClr val="000000"/>
                 </a:solidFill>
@@ -26001,14 +26596,14 @@
           </a:ln>
           <a:extLst>
             <a:ext uri="{909E8E84-426E-40dd-AFC4-6F175D3DCCD1}">
-              <a14:hiddenFill xmlns="" xmlns:a14="http://schemas.microsoft.com/office/drawing/2010/main">
+              <a14:hiddenFill xmlns:a14="http://schemas.microsoft.com/office/drawing/2010/main" xmlns="">
                 <a:solidFill>
                   <a:srgbClr val="FFFFFF"/>
                 </a:solidFill>
               </a14:hiddenFill>
             </a:ext>
             <a:ext uri="{91240B29-F687-4f45-9708-019B960494DF}">
-              <a14:hiddenLine xmlns="" xmlns:a14="http://schemas.microsoft.com/office/drawing/2010/main" w="12700">
+              <a14:hiddenLine xmlns:a14="http://schemas.microsoft.com/office/drawing/2010/main" xmlns="" w="12700">
                 <a:solidFill>
                   <a:srgbClr val="000000"/>
                 </a:solidFill>
@@ -26097,14 +26692,14 @@
             </a:ln>
             <a:extLst>
               <a:ext uri="{909E8E84-426E-40dd-AFC4-6F175D3DCCD1}">
-                <a14:hiddenFill xmlns="" xmlns:a14="http://schemas.microsoft.com/office/drawing/2010/main">
+                <a14:hiddenFill xmlns:a14="http://schemas.microsoft.com/office/drawing/2010/main" xmlns="">
                   <a:solidFill>
                     <a:srgbClr val="FFFFFF"/>
                   </a:solidFill>
                 </a14:hiddenFill>
               </a:ext>
               <a:ext uri="{91240B29-F687-4f45-9708-019B960494DF}">
-                <a14:hiddenLine xmlns="" xmlns:a14="http://schemas.microsoft.com/office/drawing/2010/main" w="19050">
+                <a14:hiddenLine xmlns:a14="http://schemas.microsoft.com/office/drawing/2010/main" xmlns="" w="19050">
                   <a:solidFill>
                     <a:srgbClr val="000000"/>
                   </a:solidFill>
@@ -27600,14 +28195,14 @@
           </a:ln>
           <a:extLst>
             <a:ext uri="{909E8E84-426E-40dd-AFC4-6F175D3DCCD1}">
-              <a14:hiddenFill xmlns="" xmlns:a14="http://schemas.microsoft.com/office/drawing/2010/main">
+              <a14:hiddenFill xmlns:a14="http://schemas.microsoft.com/office/drawing/2010/main" xmlns="">
                 <a:solidFill>
                   <a:srgbClr val="FFFFFF"/>
                 </a:solidFill>
               </a14:hiddenFill>
             </a:ext>
             <a:ext uri="{91240B29-F687-4f45-9708-019B960494DF}">
-              <a14:hiddenLine xmlns="" xmlns:a14="http://schemas.microsoft.com/office/drawing/2010/main" w="12700">
+              <a14:hiddenLine xmlns:a14="http://schemas.microsoft.com/office/drawing/2010/main" xmlns="" w="12700">
                 <a:solidFill>
                   <a:srgbClr val="000000"/>
                 </a:solidFill>
@@ -34328,14 +34923,14 @@
           </a:ln>
           <a:extLst>
             <a:ext uri="{909E8E84-426E-40dd-AFC4-6F175D3DCCD1}">
-              <a14:hiddenFill xmlns="" xmlns:a14="http://schemas.microsoft.com/office/drawing/2010/main">
+              <a14:hiddenFill xmlns:a14="http://schemas.microsoft.com/office/drawing/2010/main" xmlns="">
                 <a:solidFill>
                   <a:srgbClr val="FFFFFF"/>
                 </a:solidFill>
               </a14:hiddenFill>
             </a:ext>
             <a:ext uri="{91240B29-F687-4f45-9708-019B960494DF}">
-              <a14:hiddenLine xmlns="" xmlns:a14="http://schemas.microsoft.com/office/drawing/2010/main" w="12700">
+              <a14:hiddenLine xmlns:a14="http://schemas.microsoft.com/office/drawing/2010/main" xmlns="" w="12700">
                 <a:solidFill>
                   <a:srgbClr val="000000"/>
                 </a:solidFill>
@@ -34421,14 +35016,14 @@
           </a:ln>
           <a:extLst>
             <a:ext uri="{909E8E84-426E-40dd-AFC4-6F175D3DCCD1}">
-              <a14:hiddenFill xmlns="" xmlns:a14="http://schemas.microsoft.com/office/drawing/2010/main">
+              <a14:hiddenFill xmlns:a14="http://schemas.microsoft.com/office/drawing/2010/main" xmlns="">
                 <a:solidFill>
                   <a:srgbClr val="FFFFFF"/>
                 </a:solidFill>
               </a14:hiddenFill>
             </a:ext>
             <a:ext uri="{91240B29-F687-4f45-9708-019B960494DF}">
-              <a14:hiddenLine xmlns="" xmlns:a14="http://schemas.microsoft.com/office/drawing/2010/main" w="12700">
+              <a14:hiddenLine xmlns:a14="http://schemas.microsoft.com/office/drawing/2010/main" xmlns="" w="12700">
                 <a:solidFill>
                   <a:srgbClr val="000000"/>
                 </a:solidFill>
@@ -34518,14 +35113,14 @@
           </a:ln>
           <a:extLst>
             <a:ext uri="{909E8E84-426E-40dd-AFC4-6F175D3DCCD1}">
-              <a14:hiddenFill xmlns="" xmlns:a14="http://schemas.microsoft.com/office/drawing/2010/main">
+              <a14:hiddenFill xmlns:a14="http://schemas.microsoft.com/office/drawing/2010/main" xmlns="">
                 <a:solidFill>
                   <a:srgbClr val="FFFFFF"/>
                 </a:solidFill>
               </a14:hiddenFill>
             </a:ext>
             <a:ext uri="{91240B29-F687-4f45-9708-019B960494DF}">
-              <a14:hiddenLine xmlns="" xmlns:a14="http://schemas.microsoft.com/office/drawing/2010/main" w="12700">
+              <a14:hiddenLine xmlns:a14="http://schemas.microsoft.com/office/drawing/2010/main" xmlns="" w="12700">
                 <a:solidFill>
                   <a:srgbClr val="000000"/>
                 </a:solidFill>
@@ -34621,14 +35216,14 @@
           </a:ln>
           <a:extLst>
             <a:ext uri="{909E8E84-426E-40dd-AFC4-6F175D3DCCD1}">
-              <a14:hiddenFill xmlns="" xmlns:a14="http://schemas.microsoft.com/office/drawing/2010/main">
+              <a14:hiddenFill xmlns:a14="http://schemas.microsoft.com/office/drawing/2010/main" xmlns="">
                 <a:solidFill>
                   <a:srgbClr val="FFFFFF"/>
                 </a:solidFill>
               </a14:hiddenFill>
             </a:ext>
             <a:ext uri="{91240B29-F687-4f45-9708-019B960494DF}">
-              <a14:hiddenLine xmlns="" xmlns:a14="http://schemas.microsoft.com/office/drawing/2010/main" w="12700">
+              <a14:hiddenLine xmlns:a14="http://schemas.microsoft.com/office/drawing/2010/main" xmlns="" w="12700">
                 <a:solidFill>
                   <a:srgbClr val="000000"/>
                 </a:solidFill>
@@ -34781,14 +35376,14 @@
             </a:ln>
             <a:extLst>
               <a:ext uri="{909E8E84-426E-40dd-AFC4-6F175D3DCCD1}">
-                <a14:hiddenFill xmlns="" xmlns:a14="http://schemas.microsoft.com/office/drawing/2010/main">
+                <a14:hiddenFill xmlns:a14="http://schemas.microsoft.com/office/drawing/2010/main" xmlns="">
                   <a:solidFill>
                     <a:srgbClr val="FFFFFF"/>
                   </a:solidFill>
                 </a14:hiddenFill>
               </a:ext>
               <a:ext uri="{91240B29-F687-4f45-9708-019B960494DF}">
-                <a14:hiddenLine xmlns="" xmlns:a14="http://schemas.microsoft.com/office/drawing/2010/main" w="12700">
+                <a14:hiddenLine xmlns:a14="http://schemas.microsoft.com/office/drawing/2010/main" xmlns="" w="12700">
                   <a:solidFill>
                     <a:srgbClr val="000000"/>
                   </a:solidFill>
@@ -34884,14 +35479,14 @@
             </a:ln>
             <a:extLst>
               <a:ext uri="{909E8E84-426E-40dd-AFC4-6F175D3DCCD1}">
-                <a14:hiddenFill xmlns="" xmlns:a14="http://schemas.microsoft.com/office/drawing/2010/main">
+                <a14:hiddenFill xmlns:a14="http://schemas.microsoft.com/office/drawing/2010/main" xmlns="">
                   <a:solidFill>
                     <a:srgbClr val="FFFFFF"/>
                   </a:solidFill>
                 </a14:hiddenFill>
               </a:ext>
               <a:ext uri="{91240B29-F687-4f45-9708-019B960494DF}">
-                <a14:hiddenLine xmlns="" xmlns:a14="http://schemas.microsoft.com/office/drawing/2010/main" w="12700">
+                <a14:hiddenLine xmlns:a14="http://schemas.microsoft.com/office/drawing/2010/main" xmlns="" w="12700">
                   <a:solidFill>
                     <a:srgbClr val="000000"/>
                   </a:solidFill>
@@ -35033,14 +35628,14 @@
             </a:ln>
             <a:extLst>
               <a:ext uri="{909E8E84-426E-40dd-AFC4-6F175D3DCCD1}">
-                <a14:hiddenFill xmlns="" xmlns:a14="http://schemas.microsoft.com/office/drawing/2010/main">
+                <a14:hiddenFill xmlns:a14="http://schemas.microsoft.com/office/drawing/2010/main" xmlns="">
                   <a:solidFill>
                     <a:srgbClr val="FFFFFF"/>
                   </a:solidFill>
                 </a14:hiddenFill>
               </a:ext>
               <a:ext uri="{91240B29-F687-4f45-9708-019B960494DF}">
-                <a14:hiddenLine xmlns="" xmlns:a14="http://schemas.microsoft.com/office/drawing/2010/main" w="12700">
+                <a14:hiddenLine xmlns:a14="http://schemas.microsoft.com/office/drawing/2010/main" xmlns="" w="12700">
                   <a:solidFill>
                     <a:srgbClr val="000000"/>
                   </a:solidFill>
@@ -35124,14 +35719,14 @@
             </a:ln>
             <a:extLst>
               <a:ext uri="{909E8E84-426E-40dd-AFC4-6F175D3DCCD1}">
-                <a14:hiddenFill xmlns="" xmlns:a14="http://schemas.microsoft.com/office/drawing/2010/main">
+                <a14:hiddenFill xmlns:a14="http://schemas.microsoft.com/office/drawing/2010/main" xmlns="">
                   <a:solidFill>
                     <a:srgbClr val="FFFFFF"/>
                   </a:solidFill>
                 </a14:hiddenFill>
               </a:ext>
               <a:ext uri="{91240B29-F687-4f45-9708-019B960494DF}">
-                <a14:hiddenLine xmlns="" xmlns:a14="http://schemas.microsoft.com/office/drawing/2010/main" w="12700">
+                <a14:hiddenLine xmlns:a14="http://schemas.microsoft.com/office/drawing/2010/main" xmlns="" w="12700">
                   <a:solidFill>
                     <a:srgbClr val="000000"/>
                   </a:solidFill>
@@ -35285,14 +35880,14 @@
             </a:ln>
             <a:extLst>
               <a:ext uri="{909E8E84-426E-40dd-AFC4-6F175D3DCCD1}">
-                <a14:hiddenFill xmlns="" xmlns:a14="http://schemas.microsoft.com/office/drawing/2010/main">
+                <a14:hiddenFill xmlns:a14="http://schemas.microsoft.com/office/drawing/2010/main" xmlns="">
                   <a:solidFill>
                     <a:srgbClr val="FFFFFF"/>
                   </a:solidFill>
                 </a14:hiddenFill>
               </a:ext>
               <a:ext uri="{91240B29-F687-4f45-9708-019B960494DF}">
-                <a14:hiddenLine xmlns="" xmlns:a14="http://schemas.microsoft.com/office/drawing/2010/main" w="12700">
+                <a14:hiddenLine xmlns:a14="http://schemas.microsoft.com/office/drawing/2010/main" xmlns="" w="12700">
                   <a:solidFill>
                     <a:srgbClr val="000000"/>
                   </a:solidFill>
@@ -35376,14 +35971,14 @@
             </a:ln>
             <a:extLst>
               <a:ext uri="{909E8E84-426E-40dd-AFC4-6F175D3DCCD1}">
-                <a14:hiddenFill xmlns="" xmlns:a14="http://schemas.microsoft.com/office/drawing/2010/main">
+                <a14:hiddenFill xmlns:a14="http://schemas.microsoft.com/office/drawing/2010/main" xmlns="">
                   <a:solidFill>
                     <a:srgbClr val="FFFFFF"/>
                   </a:solidFill>
                 </a14:hiddenFill>
               </a:ext>
               <a:ext uri="{91240B29-F687-4f45-9708-019B960494DF}">
-                <a14:hiddenLine xmlns="" xmlns:a14="http://schemas.microsoft.com/office/drawing/2010/main" w="12700">
+                <a14:hiddenLine xmlns:a14="http://schemas.microsoft.com/office/drawing/2010/main" xmlns="" w="12700">
                   <a:solidFill>
                     <a:srgbClr val="000000"/>
                   </a:solidFill>
@@ -35537,14 +36132,14 @@
             </a:ln>
             <a:extLst>
               <a:ext uri="{909E8E84-426E-40dd-AFC4-6F175D3DCCD1}">
-                <a14:hiddenFill xmlns="" xmlns:a14="http://schemas.microsoft.com/office/drawing/2010/main">
+                <a14:hiddenFill xmlns:a14="http://schemas.microsoft.com/office/drawing/2010/main" xmlns="">
                   <a:solidFill>
                     <a:srgbClr val="FFFFFF"/>
                   </a:solidFill>
                 </a14:hiddenFill>
               </a:ext>
               <a:ext uri="{91240B29-F687-4f45-9708-019B960494DF}">
-                <a14:hiddenLine xmlns="" xmlns:a14="http://schemas.microsoft.com/office/drawing/2010/main" w="12700">
+                <a14:hiddenLine xmlns:a14="http://schemas.microsoft.com/office/drawing/2010/main" xmlns="" w="12700">
                   <a:solidFill>
                     <a:srgbClr val="000000"/>
                   </a:solidFill>
@@ -35628,14 +36223,14 @@
             </a:ln>
             <a:extLst>
               <a:ext uri="{909E8E84-426E-40dd-AFC4-6F175D3DCCD1}">
-                <a14:hiddenFill xmlns="" xmlns:a14="http://schemas.microsoft.com/office/drawing/2010/main">
+                <a14:hiddenFill xmlns:a14="http://schemas.microsoft.com/office/drawing/2010/main" xmlns="">
                   <a:solidFill>
                     <a:srgbClr val="FFFFFF"/>
                   </a:solidFill>
                 </a14:hiddenFill>
               </a:ext>
               <a:ext uri="{91240B29-F687-4f45-9708-019B960494DF}">
-                <a14:hiddenLine xmlns="" xmlns:a14="http://schemas.microsoft.com/office/drawing/2010/main" w="12700">
+                <a14:hiddenLine xmlns:a14="http://schemas.microsoft.com/office/drawing/2010/main" xmlns="" w="12700">
                   <a:solidFill>
                     <a:srgbClr val="000000"/>
                   </a:solidFill>
@@ -40046,14 +40641,14 @@
           </a:ln>
           <a:extLst>
             <a:ext uri="{909E8E84-426E-40dd-AFC4-6F175D3DCCD1}">
-              <a14:hiddenFill xmlns="" xmlns:a14="http://schemas.microsoft.com/office/drawing/2010/main">
+              <a14:hiddenFill xmlns:a14="http://schemas.microsoft.com/office/drawing/2010/main" xmlns="">
                 <a:solidFill>
                   <a:srgbClr val="FFFFFF"/>
                 </a:solidFill>
               </a14:hiddenFill>
             </a:ext>
             <a:ext uri="{91240B29-F687-4f45-9708-019B960494DF}">
-              <a14:hiddenLine xmlns="" xmlns:a14="http://schemas.microsoft.com/office/drawing/2010/main" w="28575">
+              <a14:hiddenLine xmlns:a14="http://schemas.microsoft.com/office/drawing/2010/main" xmlns="" w="28575">
                 <a:solidFill>
                   <a:srgbClr val="000000"/>
                 </a:solidFill>
@@ -40227,14 +40822,14 @@
           </a:ln>
           <a:extLst>
             <a:ext uri="{909E8E84-426E-40dd-AFC4-6F175D3DCCD1}">
-              <a14:hiddenFill xmlns="" xmlns:a14="http://schemas.microsoft.com/office/drawing/2010/main">
+              <a14:hiddenFill xmlns:a14="http://schemas.microsoft.com/office/drawing/2010/main" xmlns="">
                 <a:solidFill>
                   <a:srgbClr val="FFFFFF"/>
                 </a:solidFill>
               </a14:hiddenFill>
             </a:ext>
             <a:ext uri="{91240B29-F687-4f45-9708-019B960494DF}">
-              <a14:hiddenLine xmlns="" xmlns:a14="http://schemas.microsoft.com/office/drawing/2010/main" w="9525">
+              <a14:hiddenLine xmlns:a14="http://schemas.microsoft.com/office/drawing/2010/main" xmlns="" w="9525">
                 <a:solidFill>
                   <a:srgbClr val="000000"/>
                 </a:solidFill>
@@ -40390,14 +40985,14 @@
           </a:ln>
           <a:extLst>
             <a:ext uri="{909E8E84-426E-40dd-AFC4-6F175D3DCCD1}">
-              <a14:hiddenFill xmlns="" xmlns:a14="http://schemas.microsoft.com/office/drawing/2010/main">
+              <a14:hiddenFill xmlns:a14="http://schemas.microsoft.com/office/drawing/2010/main" xmlns="">
                 <a:solidFill>
                   <a:srgbClr val="FFFFFF"/>
                 </a:solidFill>
               </a14:hiddenFill>
             </a:ext>
             <a:ext uri="{91240B29-F687-4f45-9708-019B960494DF}">
-              <a14:hiddenLine xmlns="" xmlns:a14="http://schemas.microsoft.com/office/drawing/2010/main" w="9525">
+              <a14:hiddenLine xmlns:a14="http://schemas.microsoft.com/office/drawing/2010/main" xmlns="" w="9525">
                 <a:solidFill>
                   <a:srgbClr val="000000"/>
                 </a:solidFill>
@@ -40737,7 +41332,7 @@
           </a:ln>
           <a:extLst>
             <a:ext uri="{909E8E84-426E-40dd-AFC4-6F175D3DCCD1}">
-              <a14:hiddenFill xmlns="" xmlns:a14="http://schemas.microsoft.com/office/drawing/2010/main">
+              <a14:hiddenFill xmlns:a14="http://schemas.microsoft.com/office/drawing/2010/main" xmlns="">
                 <a:noFill/>
               </a14:hiddenFill>
             </a:ext>
@@ -40789,14 +41384,14 @@
             </a:ln>
             <a:extLst>
               <a:ext uri="{909E8E84-426E-40dd-AFC4-6F175D3DCCD1}">
-                <a14:hiddenFill xmlns="" xmlns:a14="http://schemas.microsoft.com/office/drawing/2010/main">
+                <a14:hiddenFill xmlns:a14="http://schemas.microsoft.com/office/drawing/2010/main" xmlns="">
                   <a:solidFill>
                     <a:srgbClr val="FFFFFF"/>
                   </a:solidFill>
                 </a14:hiddenFill>
               </a:ext>
               <a:ext uri="{91240B29-F687-4f45-9708-019B960494DF}">
-                <a14:hiddenLine xmlns="" xmlns:a14="http://schemas.microsoft.com/office/drawing/2010/main" w="19050">
+                <a14:hiddenLine xmlns:a14="http://schemas.microsoft.com/office/drawing/2010/main" xmlns="" w="19050">
                   <a:solidFill>
                     <a:srgbClr val="000000"/>
                   </a:solidFill>
@@ -42167,7 +42762,7 @@
             </a:ln>
             <a:extLst>
               <a:ext uri="{909E8E84-426E-40dd-AFC4-6F175D3DCCD1}">
-                <a14:hiddenFill xmlns="" xmlns:a14="http://schemas.microsoft.com/office/drawing/2010/main">
+                <a14:hiddenFill xmlns:a14="http://schemas.microsoft.com/office/drawing/2010/main" xmlns="">
                   <a:noFill/>
                 </a14:hiddenFill>
               </a:ext>
@@ -42210,7 +42805,7 @@
             </a:ln>
             <a:extLst>
               <a:ext uri="{909E8E84-426E-40dd-AFC4-6F175D3DCCD1}">
-                <a14:hiddenFill xmlns="" xmlns:a14="http://schemas.microsoft.com/office/drawing/2010/main">
+                <a14:hiddenFill xmlns:a14="http://schemas.microsoft.com/office/drawing/2010/main" xmlns="">
                   <a:noFill/>
                 </a14:hiddenFill>
               </a:ext>
@@ -42253,7 +42848,7 @@
             </a:ln>
             <a:extLst>
               <a:ext uri="{909E8E84-426E-40dd-AFC4-6F175D3DCCD1}">
-                <a14:hiddenFill xmlns="" xmlns:a14="http://schemas.microsoft.com/office/drawing/2010/main">
+                <a14:hiddenFill xmlns:a14="http://schemas.microsoft.com/office/drawing/2010/main" xmlns="">
                   <a:noFill/>
                 </a14:hiddenFill>
               </a:ext>
@@ -42296,7 +42891,7 @@
             </a:ln>
             <a:extLst>
               <a:ext uri="{909E8E84-426E-40dd-AFC4-6F175D3DCCD1}">
-                <a14:hiddenFill xmlns="" xmlns:a14="http://schemas.microsoft.com/office/drawing/2010/main">
+                <a14:hiddenFill xmlns:a14="http://schemas.microsoft.com/office/drawing/2010/main" xmlns="">
                   <a:noFill/>
                 </a14:hiddenFill>
               </a:ext>
@@ -42339,7 +42934,7 @@
             </a:ln>
             <a:extLst>
               <a:ext uri="{909E8E84-426E-40dd-AFC4-6F175D3DCCD1}">
-                <a14:hiddenFill xmlns="" xmlns:a14="http://schemas.microsoft.com/office/drawing/2010/main">
+                <a14:hiddenFill xmlns:a14="http://schemas.microsoft.com/office/drawing/2010/main" xmlns="">
                   <a:noFill/>
                 </a14:hiddenFill>
               </a:ext>
@@ -42382,7 +42977,7 @@
             </a:ln>
             <a:extLst>
               <a:ext uri="{909E8E84-426E-40dd-AFC4-6F175D3DCCD1}">
-                <a14:hiddenFill xmlns="" xmlns:a14="http://schemas.microsoft.com/office/drawing/2010/main">
+                <a14:hiddenFill xmlns:a14="http://schemas.microsoft.com/office/drawing/2010/main" xmlns="">
                   <a:noFill/>
                 </a14:hiddenFill>
               </a:ext>
@@ -42425,7 +43020,7 @@
             </a:ln>
             <a:extLst>
               <a:ext uri="{909E8E84-426E-40dd-AFC4-6F175D3DCCD1}">
-                <a14:hiddenFill xmlns="" xmlns:a14="http://schemas.microsoft.com/office/drawing/2010/main">
+                <a14:hiddenFill xmlns:a14="http://schemas.microsoft.com/office/drawing/2010/main" xmlns="">
                   <a:noFill/>
                 </a14:hiddenFill>
               </a:ext>
@@ -42468,7 +43063,7 @@
             </a:ln>
             <a:extLst>
               <a:ext uri="{909E8E84-426E-40dd-AFC4-6F175D3DCCD1}">
-                <a14:hiddenFill xmlns="" xmlns:a14="http://schemas.microsoft.com/office/drawing/2010/main">
+                <a14:hiddenFill xmlns:a14="http://schemas.microsoft.com/office/drawing/2010/main" xmlns="">
                   <a:noFill/>
                 </a14:hiddenFill>
               </a:ext>
@@ -42560,7 +43155,7 @@
             </a:ln>
             <a:extLst>
               <a:ext uri="{909E8E84-426E-40dd-AFC4-6F175D3DCCD1}">
-                <a14:hiddenFill xmlns="" xmlns:a14="http://schemas.microsoft.com/office/drawing/2010/main">
+                <a14:hiddenFill xmlns:a14="http://schemas.microsoft.com/office/drawing/2010/main" xmlns="">
                   <a:noFill/>
                 </a14:hiddenFill>
               </a:ext>
@@ -42634,7 +43229,7 @@
             </a:ln>
             <a:extLst>
               <a:ext uri="{909E8E84-426E-40dd-AFC4-6F175D3DCCD1}">
-                <a14:hiddenFill xmlns="" xmlns:a14="http://schemas.microsoft.com/office/drawing/2010/main">
+                <a14:hiddenFill xmlns:a14="http://schemas.microsoft.com/office/drawing/2010/main" xmlns="">
                   <a:noFill/>
                 </a14:hiddenFill>
               </a:ext>
@@ -42692,7 +43287,7 @@
             </a:ln>
             <a:extLst>
               <a:ext uri="{909E8E84-426E-40dd-AFC4-6F175D3DCCD1}">
-                <a14:hiddenFill xmlns="" xmlns:a14="http://schemas.microsoft.com/office/drawing/2010/main">
+                <a14:hiddenFill xmlns:a14="http://schemas.microsoft.com/office/drawing/2010/main" xmlns="">
                   <a:noFill/>
                 </a14:hiddenFill>
               </a:ext>
@@ -42766,7 +43361,7 @@
             </a:ln>
             <a:extLst>
               <a:ext uri="{909E8E84-426E-40dd-AFC4-6F175D3DCCD1}">
-                <a14:hiddenFill xmlns="" xmlns:a14="http://schemas.microsoft.com/office/drawing/2010/main">
+                <a14:hiddenFill xmlns:a14="http://schemas.microsoft.com/office/drawing/2010/main" xmlns="">
                   <a:noFill/>
                 </a14:hiddenFill>
               </a:ext>
@@ -43307,12 +43902,12 @@
           <a:graphicData uri="http://schemas.openxmlformats.org/presentationml/2006/ole">
             <mc:AlternateContent xmlns:mc="http://schemas.openxmlformats.org/markup-compatibility/2006">
               <mc:Choice xmlns:v="urn:schemas-microsoft-com:vml" Requires="v">
-                <p:oleObj spid="_x0000_s6243" name="Visio" r:id="rId4" imgW="1494739" imgH="3597778" progId="">
+                <p:oleObj name="Visio" r:id="rId3" imgW="1494739" imgH="3597778" progId="">
                   <p:embed/>
                 </p:oleObj>
               </mc:Choice>
               <mc:Fallback>
-                <p:oleObj name="Visio" r:id="rId4" imgW="1494739" imgH="3597778" progId="">
+                <p:oleObj name="Visio" r:id="rId3" imgW="1494739" imgH="3597778" progId="">
                   <p:embed/>
                   <p:pic>
                     <p:nvPicPr>
@@ -43323,7 +43918,7 @@
                       <p:nvPr/>
                     </p:nvPicPr>
                     <p:blipFill>
-                      <a:blip r:embed="rId5">
+                      <a:blip r:embed="rId4">
                         <a:extLst>
                           <a:ext uri="{28A0092B-C50C-407E-A947-70E740481C1C}">
                             <a14:useLocalDpi xmlns:a14="http://schemas.microsoft.com/office/drawing/2010/main" val="0"/>
@@ -43350,14 +43945,14 @@
                       <a:effectLst/>
                       <a:extLst>
                         <a:ext uri="{909E8E84-426E-40dd-AFC4-6F175D3DCCD1}">
-                          <a14:hiddenFill xmlns="" xmlns:a14="http://schemas.microsoft.com/office/drawing/2010/main">
+                          <a14:hiddenFill xmlns:a14="http://schemas.microsoft.com/office/drawing/2010/main" xmlns="">
                             <a:solidFill>
                               <a:schemeClr val="folHlink"/>
                             </a:solidFill>
                           </a14:hiddenFill>
                         </a:ext>
                         <a:ext uri="{91240B29-F687-4f45-9708-019B960494DF}">
-                          <a14:hiddenLine xmlns="" xmlns:a14="http://schemas.microsoft.com/office/drawing/2010/main" w="12700">
+                          <a14:hiddenLine xmlns:a14="http://schemas.microsoft.com/office/drawing/2010/main" xmlns="" w="12700">
                             <a:solidFill>
                               <a:schemeClr val="tx1"/>
                             </a:solidFill>
@@ -43367,7 +43962,7 @@
                           </a14:hiddenLine>
                         </a:ext>
                         <a:ext uri="{AF507438-7753-43e0-B8FC-AC1667EBCBE1}">
-                          <a14:hiddenEffects xmlns="" xmlns:a14="http://schemas.microsoft.com/office/drawing/2010/main">
+                          <a14:hiddenEffects xmlns:a14="http://schemas.microsoft.com/office/drawing/2010/main" xmlns="">
                             <a:effectLst>
                               <a:outerShdw blurRad="63500" dist="107763" dir="2700000" algn="ctr" rotWithShape="0">
                                 <a:schemeClr val="bg2">
@@ -43905,12 +44500,12 @@
           <a:graphicData uri="http://schemas.openxmlformats.org/presentationml/2006/ole">
             <mc:AlternateContent xmlns:mc="http://schemas.openxmlformats.org/markup-compatibility/2006">
               <mc:Choice xmlns:v="urn:schemas-microsoft-com:vml" Requires="v">
-                <p:oleObj spid="_x0000_s1122" name="Visio" r:id="rId4" imgW="5104408" imgH="4693680" progId="">
+                <p:oleObj name="Visio" r:id="rId3" imgW="5104408" imgH="4693680" progId="">
                   <p:embed/>
                 </p:oleObj>
               </mc:Choice>
               <mc:Fallback>
-                <p:oleObj name="Visio" r:id="rId4" imgW="5104408" imgH="4693680" progId="">
+                <p:oleObj name="Visio" r:id="rId3" imgW="5104408" imgH="4693680" progId="">
                   <p:embed/>
                   <p:pic>
                     <p:nvPicPr>
@@ -43921,7 +44516,7 @@
                       <p:nvPr/>
                     </p:nvPicPr>
                     <p:blipFill>
-                      <a:blip r:embed="rId5">
+                      <a:blip r:embed="rId4">
                         <a:extLst>
                           <a:ext uri="{28A0092B-C50C-407E-A947-70E740481C1C}">
                             <a14:useLocalDpi xmlns:a14="http://schemas.microsoft.com/office/drawing/2010/main" val="0"/>
@@ -43944,7 +44539,7 @@
                       <a:noFill/>
                       <a:extLst>
                         <a:ext uri="{909E8E84-426E-40dd-AFC4-6F175D3DCCD1}">
-                          <a14:hiddenFill xmlns="" xmlns:a14="http://schemas.microsoft.com/office/drawing/2010/main">
+                          <a14:hiddenFill xmlns:a14="http://schemas.microsoft.com/office/drawing/2010/main" xmlns="">
                             <a:solidFill>
                               <a:srgbClr val="FFFFFF"/>
                             </a:solidFill>
